--- a/Проект БД.pptx
+++ b/Проект БД.pptx
@@ -8,9 +8,9 @@
     <p:sldId id="256" r:id="rId2"/>
     <p:sldId id="257" r:id="rId3"/>
     <p:sldId id="258" r:id="rId4"/>
-    <p:sldId id="262" r:id="rId5"/>
-    <p:sldId id="263" r:id="rId6"/>
-    <p:sldId id="264" r:id="rId7"/>
+    <p:sldId id="265" r:id="rId5"/>
+    <p:sldId id="266" r:id="rId6"/>
+    <p:sldId id="267" r:id="rId7"/>
     <p:sldId id="259" r:id="rId8"/>
     <p:sldId id="260" r:id="rId9"/>
     <p:sldId id="261" r:id="rId10"/>
@@ -310,7 +310,7 @@
           <a:p>
             <a:fld id="{C7A65492-A646-4F55-A8B5-6537D8D28C9B}" type="datetimeFigureOut">
               <a:rPr lang="ru-RU" smtClean="0"/>
-              <a:t>17.06.2025</a:t>
+              <a:t>23.06.2025</a:t>
             </a:fld>
             <a:endParaRPr lang="ru-RU"/>
           </a:p>
@@ -478,7 +478,7 @@
           <a:p>
             <a:fld id="{C7A65492-A646-4F55-A8B5-6537D8D28C9B}" type="datetimeFigureOut">
               <a:rPr lang="ru-RU" smtClean="0"/>
-              <a:t>17.06.2025</a:t>
+              <a:t>23.06.2025</a:t>
             </a:fld>
             <a:endParaRPr lang="ru-RU"/>
           </a:p>
@@ -656,7 +656,7 @@
           <a:p>
             <a:fld id="{C7A65492-A646-4F55-A8B5-6537D8D28C9B}" type="datetimeFigureOut">
               <a:rPr lang="ru-RU" smtClean="0"/>
-              <a:t>17.06.2025</a:t>
+              <a:t>23.06.2025</a:t>
             </a:fld>
             <a:endParaRPr lang="ru-RU"/>
           </a:p>
@@ -824,7 +824,7 @@
           <a:p>
             <a:fld id="{C7A65492-A646-4F55-A8B5-6537D8D28C9B}" type="datetimeFigureOut">
               <a:rPr lang="ru-RU" smtClean="0"/>
-              <a:t>17.06.2025</a:t>
+              <a:t>23.06.2025</a:t>
             </a:fld>
             <a:endParaRPr lang="ru-RU"/>
           </a:p>
@@ -1069,7 +1069,7 @@
           <a:p>
             <a:fld id="{C7A65492-A646-4F55-A8B5-6537D8D28C9B}" type="datetimeFigureOut">
               <a:rPr lang="ru-RU" smtClean="0"/>
-              <a:t>17.06.2025</a:t>
+              <a:t>23.06.2025</a:t>
             </a:fld>
             <a:endParaRPr lang="ru-RU"/>
           </a:p>
@@ -1354,7 +1354,7 @@
           <a:p>
             <a:fld id="{C7A65492-A646-4F55-A8B5-6537D8D28C9B}" type="datetimeFigureOut">
               <a:rPr lang="ru-RU" smtClean="0"/>
-              <a:t>17.06.2025</a:t>
+              <a:t>23.06.2025</a:t>
             </a:fld>
             <a:endParaRPr lang="ru-RU"/>
           </a:p>
@@ -1773,7 +1773,7 @@
           <a:p>
             <a:fld id="{C7A65492-A646-4F55-A8B5-6537D8D28C9B}" type="datetimeFigureOut">
               <a:rPr lang="ru-RU" smtClean="0"/>
-              <a:t>17.06.2025</a:t>
+              <a:t>23.06.2025</a:t>
             </a:fld>
             <a:endParaRPr lang="ru-RU"/>
           </a:p>
@@ -1890,7 +1890,7 @@
           <a:p>
             <a:fld id="{C7A65492-A646-4F55-A8B5-6537D8D28C9B}" type="datetimeFigureOut">
               <a:rPr lang="ru-RU" smtClean="0"/>
-              <a:t>17.06.2025</a:t>
+              <a:t>23.06.2025</a:t>
             </a:fld>
             <a:endParaRPr lang="ru-RU"/>
           </a:p>
@@ -1985,7 +1985,7 @@
           <a:p>
             <a:fld id="{C7A65492-A646-4F55-A8B5-6537D8D28C9B}" type="datetimeFigureOut">
               <a:rPr lang="ru-RU" smtClean="0"/>
-              <a:t>17.06.2025</a:t>
+              <a:t>23.06.2025</a:t>
             </a:fld>
             <a:endParaRPr lang="ru-RU"/>
           </a:p>
@@ -2260,7 +2260,7 @@
           <a:p>
             <a:fld id="{C7A65492-A646-4F55-A8B5-6537D8D28C9B}" type="datetimeFigureOut">
               <a:rPr lang="ru-RU" smtClean="0"/>
-              <a:t>17.06.2025</a:t>
+              <a:t>23.06.2025</a:t>
             </a:fld>
             <a:endParaRPr lang="ru-RU"/>
           </a:p>
@@ -2512,7 +2512,7 @@
           <a:p>
             <a:fld id="{C7A65492-A646-4F55-A8B5-6537D8D28C9B}" type="datetimeFigureOut">
               <a:rPr lang="ru-RU" smtClean="0"/>
-              <a:t>17.06.2025</a:t>
+              <a:t>23.06.2025</a:t>
             </a:fld>
             <a:endParaRPr lang="ru-RU"/>
           </a:p>
@@ -2723,7 +2723,7 @@
           <a:p>
             <a:fld id="{C7A65492-A646-4F55-A8B5-6537D8D28C9B}" type="datetimeFigureOut">
               <a:rPr lang="ru-RU" smtClean="0"/>
-              <a:t>17.06.2025</a:t>
+              <a:t>23.06.2025</a:t>
             </a:fld>
             <a:endParaRPr lang="ru-RU"/>
           </a:p>
@@ -3276,10 +3276,15 @@
             <p:ph idx="1"/>
           </p:nvPr>
         </p:nvSpPr>
-        <p:spPr/>
+        <p:spPr>
+          <a:xfrm>
+            <a:off x="457200" y="1600200"/>
+            <a:ext cx="8229600" cy="4709120"/>
+          </a:xfrm>
+        </p:spPr>
         <p:txBody>
           <a:bodyPr>
-            <a:normAutofit/>
+            <a:normAutofit lnSpcReduction="10000"/>
           </a:bodyPr>
           <a:lstStyle/>
           <a:p>
@@ -3342,8 +3347,19 @@
             <a:pPr lvl="0"/>
             <a:r>
               <a:rPr lang="ru-RU" sz="2800" dirty="0"/>
-              <a:t>данные об используемом оборудовании</a:t>
-            </a:r>
+              <a:t>данные об автомобильной технике</a:t>
+            </a:r>
+          </a:p>
+          <a:p>
+            <a:pPr lvl="0"/>
+            <a:r>
+              <a:rPr lang="ru-RU" sz="2800" dirty="0"/>
+              <a:t>данные о выездах</a:t>
+            </a:r>
+          </a:p>
+          <a:p>
+            <a:pPr lvl="0"/>
+            <a:endParaRPr lang="ru-RU" sz="2800" dirty="0"/>
           </a:p>
           <a:p>
             <a:pPr marL="0" indent="0">
@@ -3560,12 +3576,13 @@
           <a:lstStyle/>
           <a:p>
             <a:r>
-              <a:rPr lang="ru-RU" dirty="0">
+              <a:rPr lang="ru-RU" b="1" dirty="0">
                 <a:latin typeface="PT Astra Sans" pitchFamily="34" charset="-52"/>
                 <a:ea typeface="PT Astra Sans" pitchFamily="34" charset="-52"/>
               </a:rPr>
               <a:t>Нормализация</a:t>
             </a:r>
+            <a:endParaRPr lang="ru-RU" dirty="0"/>
           </a:p>
         </p:txBody>
       </p:sp>
@@ -3576,10 +3593,15 @@
             <a:spLocks noGrp="1"/>
           </p:cNvSpPr>
           <p:nvPr>
-            <p:ph idx="1"/>
-          </p:nvPr>
-        </p:nvSpPr>
-        <p:spPr/>
+            <p:ph sz="half" idx="1"/>
+          </p:nvPr>
+        </p:nvSpPr>
+        <p:spPr>
+          <a:xfrm>
+            <a:off x="457200" y="1600200"/>
+            <a:ext cx="3970784" cy="4525963"/>
+          </a:xfrm>
+        </p:spPr>
         <p:txBody>
           <a:bodyPr>
             <a:normAutofit/>
@@ -3597,14 +3619,35 @@
               <a:t>СОТРУДНИК (EMPLOYEE):</a:t>
             </a:r>
           </a:p>
+        </p:txBody>
+      </p:sp>
+      <p:sp>
+        <p:nvSpPr>
+          <p:cNvPr id="4" name="Объект 3"/>
+          <p:cNvSpPr>
+            <a:spLocks noGrp="1"/>
+          </p:cNvSpPr>
+          <p:nvPr>
+            <p:ph sz="half" idx="2"/>
+          </p:nvPr>
+        </p:nvSpPr>
+        <p:spPr/>
+        <p:txBody>
+          <a:bodyPr>
+            <a:normAutofit/>
+          </a:bodyPr>
+          <a:lstStyle/>
           <a:p>
             <a:pPr marL="0" indent="0">
               <a:buNone/>
             </a:pPr>
-            <a:endParaRPr lang="ru-RU" sz="1800" dirty="0">
-              <a:latin typeface="PT Astra Sans" pitchFamily="34" charset="-52"/>
-              <a:ea typeface="PT Astra Sans" pitchFamily="34" charset="-52"/>
-            </a:endParaRPr>
+            <a:r>
+              <a:rPr lang="ru-RU" sz="2400" dirty="0">
+                <a:latin typeface="PT Astra Sans" pitchFamily="34" charset="-52"/>
+                <a:ea typeface="PT Astra Sans" pitchFamily="34" charset="-52"/>
+              </a:rPr>
+              <a:t>АТТЕСТАЦИЯ (ATTESTATION):</a:t>
+            </a:r>
           </a:p>
         </p:txBody>
       </p:sp>
@@ -3623,8 +3666,31 @@
         </p:blipFill>
         <p:spPr>
           <a:xfrm>
-            <a:off x="3063240" y="2276872"/>
+            <a:off x="755576" y="2618616"/>
             <a:ext cx="3092936" cy="3971888"/>
+          </a:xfrm>
+          <a:prstGeom prst="rect">
+            <a:avLst/>
+          </a:prstGeom>
+        </p:spPr>
+      </p:pic>
+      <p:pic>
+        <p:nvPicPr>
+          <p:cNvPr id="6" name="Picture 34"/>
+          <p:cNvPicPr>
+            <a:picLocks/>
+          </p:cNvPicPr>
+          <p:nvPr/>
+        </p:nvPicPr>
+        <p:blipFill rotWithShape="1">
+          <a:blip r:embed="rId2"/>
+          <a:srcRect l="30083" t="1698" r="45427" b="66315"/>
+          <a:stretch/>
+        </p:blipFill>
+        <p:spPr>
+          <a:xfrm>
+            <a:off x="5103448" y="2618616"/>
+            <a:ext cx="3453528" cy="3971888"/>
           </a:xfrm>
           <a:prstGeom prst="rect">
             <a:avLst/>
@@ -3634,7 +3700,7 @@
     </p:spTree>
     <p:extLst>
       <p:ext uri="{BB962C8B-B14F-4D97-AF65-F5344CB8AC3E}">
-        <p14:creationId xmlns:p14="http://schemas.microsoft.com/office/powerpoint/2010/main" val="2243162347"/>
+        <p14:creationId xmlns:p14="http://schemas.microsoft.com/office/powerpoint/2010/main" val="1818772820"/>
       </p:ext>
     </p:extLst>
   </p:cSld>
@@ -3677,12 +3743,13 @@
           <a:lstStyle/>
           <a:p>
             <a:r>
-              <a:rPr lang="ru-RU" dirty="0">
+              <a:rPr lang="ru-RU" b="1" dirty="0">
                 <a:latin typeface="PT Astra Sans" pitchFamily="34" charset="-52"/>
                 <a:ea typeface="PT Astra Sans" pitchFamily="34" charset="-52"/>
               </a:rPr>
               <a:t>Нормализация</a:t>
             </a:r>
+            <a:endParaRPr lang="ru-RU" dirty="0"/>
           </a:p>
         </p:txBody>
       </p:sp>
@@ -3693,36 +3760,101 @@
             <a:spLocks noGrp="1"/>
           </p:cNvSpPr>
           <p:nvPr>
-            <p:ph idx="1"/>
-          </p:nvPr>
-        </p:nvSpPr>
-        <p:spPr/>
-        <p:txBody>
-          <a:bodyPr/>
+            <p:ph sz="half" idx="1"/>
+          </p:nvPr>
+        </p:nvSpPr>
+        <p:spPr>
+          <a:xfrm>
+            <a:off x="457200" y="1556792"/>
+            <a:ext cx="2314600" cy="4525963"/>
+          </a:xfrm>
+        </p:spPr>
+        <p:txBody>
+          <a:bodyPr>
+            <a:normAutofit/>
+          </a:bodyPr>
           <a:lstStyle/>
           <a:p>
             <a:pPr marL="0" indent="0">
               <a:buNone/>
             </a:pPr>
             <a:r>
-              <a:rPr lang="ru-RU" sz="2400" dirty="0">
+              <a:rPr lang="ru-RU" sz="1800" dirty="0">
                 <a:latin typeface="PT Astra Sans" pitchFamily="34" charset="-52"/>
                 <a:ea typeface="PT Astra Sans" pitchFamily="34" charset="-52"/>
               </a:rPr>
-              <a:t>АТТЕСТАЦИЯ (ATTESTATION):</a:t>
+              <a:t>ЗАНЯТИЯ (EXERCISE):</a:t>
             </a:r>
           </a:p>
           <a:p>
             <a:pPr marL="0" indent="0">
               <a:buNone/>
             </a:pPr>
-            <a:endParaRPr lang="ru-RU" dirty="0"/>
+            <a:endParaRPr lang="ru-RU" sz="1800" dirty="0"/>
+          </a:p>
+          <a:p>
+            <a:pPr marL="0" indent="0">
+              <a:buNone/>
+            </a:pPr>
+            <a:endParaRPr lang="ru-RU" sz="1800" dirty="0">
+              <a:latin typeface="PT Astra Sans" pitchFamily="34" charset="-52"/>
+              <a:ea typeface="PT Astra Sans" pitchFamily="34" charset="-52"/>
+            </a:endParaRPr>
+          </a:p>
+        </p:txBody>
+      </p:sp>
+      <p:sp>
+        <p:nvSpPr>
+          <p:cNvPr id="4" name="Объект 3"/>
+          <p:cNvSpPr>
+            <a:spLocks noGrp="1"/>
+          </p:cNvSpPr>
+          <p:nvPr>
+            <p:ph sz="half" idx="2"/>
+          </p:nvPr>
+        </p:nvSpPr>
+        <p:spPr>
+          <a:xfrm>
+            <a:off x="2843808" y="1556792"/>
+            <a:ext cx="4038600" cy="4525963"/>
+          </a:xfrm>
+        </p:spPr>
+        <p:txBody>
+          <a:bodyPr>
+            <a:normAutofit/>
+          </a:bodyPr>
+          <a:lstStyle/>
+          <a:p>
+            <a:pPr marL="0" indent="0">
+              <a:buNone/>
+            </a:pPr>
+            <a:r>
+              <a:rPr lang="ru-RU" sz="1800" dirty="0">
+                <a:latin typeface="PT Astra Sans" pitchFamily="34" charset="-52"/>
+                <a:ea typeface="PT Astra Sans" pitchFamily="34" charset="-52"/>
+              </a:rPr>
+              <a:t>АВТОМОБИЛЬНАЯ ТЕХНИКА (</a:t>
+            </a:r>
+            <a:r>
+              <a:rPr lang="en-US" sz="1800" dirty="0">
+                <a:latin typeface="PT Astra Sans" pitchFamily="34" charset="-52"/>
+                <a:ea typeface="PT Astra Sans" pitchFamily="34" charset="-52"/>
+              </a:rPr>
+              <a:t>FIRE_VEHICLE)</a:t>
+            </a:r>
+            <a:r>
+              <a:rPr lang="ru-RU" sz="1800" dirty="0">
+                <a:latin typeface="PT Astra Sans" pitchFamily="34" charset="-52"/>
+                <a:ea typeface="PT Astra Sans" pitchFamily="34" charset="-52"/>
+              </a:rPr>
+              <a:t>:</a:t>
+            </a:r>
           </a:p>
         </p:txBody>
       </p:sp>
       <p:pic>
         <p:nvPicPr>
-          <p:cNvPr id="4" name="Picture 34"/>
+          <p:cNvPr id="7" name="Picture 34"/>
           <p:cNvPicPr>
             <a:picLocks/>
           </p:cNvPicPr>
@@ -3730,13 +3862,257 @@
         </p:nvPicPr>
         <p:blipFill rotWithShape="1">
           <a:blip r:embed="rId2"/>
-          <a:srcRect l="30083" t="1698" r="45427" b="66315"/>
+          <a:srcRect l="60721" t="32139" r="23994" b="41896"/>
           <a:stretch/>
         </p:blipFill>
         <p:spPr>
           <a:xfrm>
-            <a:off x="2845236" y="2276872"/>
-            <a:ext cx="3453528" cy="3888432"/>
+            <a:off x="467544" y="2492896"/>
+            <a:ext cx="2088232" cy="3223028"/>
+          </a:xfrm>
+          <a:prstGeom prst="rect">
+            <a:avLst/>
+          </a:prstGeom>
+        </p:spPr>
+      </p:pic>
+      <p:pic>
+        <p:nvPicPr>
+          <p:cNvPr id="9" name="Picture 34"/>
+          <p:cNvPicPr>
+            <a:picLocks/>
+          </p:cNvPicPr>
+          <p:nvPr/>
+        </p:nvPicPr>
+        <p:blipFill rotWithShape="1">
+          <a:blip r:embed="rId3">
+            <a:extLst>
+              <a:ext uri="{28A0092B-C50C-407E-A947-70E740481C1C}">
+                <a14:useLocalDpi xmlns:a14="http://schemas.microsoft.com/office/drawing/2010/main" val="0"/>
+              </a:ext>
+            </a:extLst>
+          </a:blip>
+          <a:srcRect l="40391" t="80572" r="44382" b="1271"/>
+          <a:stretch/>
+        </p:blipFill>
+        <p:spPr>
+          <a:xfrm>
+            <a:off x="3131276" y="2492896"/>
+            <a:ext cx="2664296" cy="3223028"/>
+          </a:xfrm>
+          <a:prstGeom prst="rect">
+            <a:avLst/>
+          </a:prstGeom>
+        </p:spPr>
+      </p:pic>
+      <p:sp>
+        <p:nvSpPr>
+          <p:cNvPr id="11" name="Объект 2"/>
+          <p:cNvSpPr txBox="1">
+            <a:spLocks/>
+          </p:cNvSpPr>
+          <p:nvPr/>
+        </p:nvSpPr>
+        <p:spPr>
+          <a:xfrm>
+            <a:off x="6389312" y="1556792"/>
+            <a:ext cx="2314600" cy="4525963"/>
+          </a:xfrm>
+          <a:prstGeom prst="rect">
+            <a:avLst/>
+          </a:prstGeom>
+        </p:spPr>
+        <p:txBody>
+          <a:bodyPr vert="horz" lIns="91440" tIns="45720" rIns="91440" bIns="45720" rtlCol="0">
+            <a:normAutofit/>
+          </a:bodyPr>
+          <a:lstStyle>
+            <a:lvl1pPr marL="342900" indent="-342900" algn="l" defTabSz="914400" rtl="0" eaLnBrk="1" latinLnBrk="0" hangingPunct="1">
+              <a:spcBef>
+                <a:spcPct val="20000"/>
+              </a:spcBef>
+              <a:buFont typeface="Arial" pitchFamily="34" charset="0"/>
+              <a:buChar char="•"/>
+              <a:defRPr sz="2800" kern="1200">
+                <a:solidFill>
+                  <a:schemeClr val="tx1"/>
+                </a:solidFill>
+                <a:latin typeface="+mn-lt"/>
+                <a:ea typeface="+mn-ea"/>
+                <a:cs typeface="+mn-cs"/>
+              </a:defRPr>
+            </a:lvl1pPr>
+            <a:lvl2pPr marL="742950" indent="-285750" algn="l" defTabSz="914400" rtl="0" eaLnBrk="1" latinLnBrk="0" hangingPunct="1">
+              <a:spcBef>
+                <a:spcPct val="20000"/>
+              </a:spcBef>
+              <a:buFont typeface="Arial" pitchFamily="34" charset="0"/>
+              <a:buChar char="–"/>
+              <a:defRPr sz="2400" kern="1200">
+                <a:solidFill>
+                  <a:schemeClr val="tx1"/>
+                </a:solidFill>
+                <a:latin typeface="+mn-lt"/>
+                <a:ea typeface="+mn-ea"/>
+                <a:cs typeface="+mn-cs"/>
+              </a:defRPr>
+            </a:lvl2pPr>
+            <a:lvl3pPr marL="1143000" indent="-228600" algn="l" defTabSz="914400" rtl="0" eaLnBrk="1" latinLnBrk="0" hangingPunct="1">
+              <a:spcBef>
+                <a:spcPct val="20000"/>
+              </a:spcBef>
+              <a:buFont typeface="Arial" pitchFamily="34" charset="0"/>
+              <a:buChar char="•"/>
+              <a:defRPr sz="2000" kern="1200">
+                <a:solidFill>
+                  <a:schemeClr val="tx1"/>
+                </a:solidFill>
+                <a:latin typeface="+mn-lt"/>
+                <a:ea typeface="+mn-ea"/>
+                <a:cs typeface="+mn-cs"/>
+              </a:defRPr>
+            </a:lvl3pPr>
+            <a:lvl4pPr marL="1600200" indent="-228600" algn="l" defTabSz="914400" rtl="0" eaLnBrk="1" latinLnBrk="0" hangingPunct="1">
+              <a:spcBef>
+                <a:spcPct val="20000"/>
+              </a:spcBef>
+              <a:buFont typeface="Arial" pitchFamily="34" charset="0"/>
+              <a:buChar char="–"/>
+              <a:defRPr sz="1800" kern="1200">
+                <a:solidFill>
+                  <a:schemeClr val="tx1"/>
+                </a:solidFill>
+                <a:latin typeface="+mn-lt"/>
+                <a:ea typeface="+mn-ea"/>
+                <a:cs typeface="+mn-cs"/>
+              </a:defRPr>
+            </a:lvl4pPr>
+            <a:lvl5pPr marL="2057400" indent="-228600" algn="l" defTabSz="914400" rtl="0" eaLnBrk="1" latinLnBrk="0" hangingPunct="1">
+              <a:spcBef>
+                <a:spcPct val="20000"/>
+              </a:spcBef>
+              <a:buFont typeface="Arial" pitchFamily="34" charset="0"/>
+              <a:buChar char="»"/>
+              <a:defRPr sz="1800" kern="1200">
+                <a:solidFill>
+                  <a:schemeClr val="tx1"/>
+                </a:solidFill>
+                <a:latin typeface="+mn-lt"/>
+                <a:ea typeface="+mn-ea"/>
+                <a:cs typeface="+mn-cs"/>
+              </a:defRPr>
+            </a:lvl5pPr>
+            <a:lvl6pPr marL="2514600" indent="-228600" algn="l" defTabSz="914400" rtl="0" eaLnBrk="1" latinLnBrk="0" hangingPunct="1">
+              <a:spcBef>
+                <a:spcPct val="20000"/>
+              </a:spcBef>
+              <a:buFont typeface="Arial" pitchFamily="34" charset="0"/>
+              <a:buChar char="•"/>
+              <a:defRPr sz="1800" kern="1200">
+                <a:solidFill>
+                  <a:schemeClr val="tx1"/>
+                </a:solidFill>
+                <a:latin typeface="+mn-lt"/>
+                <a:ea typeface="+mn-ea"/>
+                <a:cs typeface="+mn-cs"/>
+              </a:defRPr>
+            </a:lvl6pPr>
+            <a:lvl7pPr marL="2971800" indent="-228600" algn="l" defTabSz="914400" rtl="0" eaLnBrk="1" latinLnBrk="0" hangingPunct="1">
+              <a:spcBef>
+                <a:spcPct val="20000"/>
+              </a:spcBef>
+              <a:buFont typeface="Arial" pitchFamily="34" charset="0"/>
+              <a:buChar char="•"/>
+              <a:defRPr sz="1800" kern="1200">
+                <a:solidFill>
+                  <a:schemeClr val="tx1"/>
+                </a:solidFill>
+                <a:latin typeface="+mn-lt"/>
+                <a:ea typeface="+mn-ea"/>
+                <a:cs typeface="+mn-cs"/>
+              </a:defRPr>
+            </a:lvl7pPr>
+            <a:lvl8pPr marL="3429000" indent="-228600" algn="l" defTabSz="914400" rtl="0" eaLnBrk="1" latinLnBrk="0" hangingPunct="1">
+              <a:spcBef>
+                <a:spcPct val="20000"/>
+              </a:spcBef>
+              <a:buFont typeface="Arial" pitchFamily="34" charset="0"/>
+              <a:buChar char="•"/>
+              <a:defRPr sz="1800" kern="1200">
+                <a:solidFill>
+                  <a:schemeClr val="tx1"/>
+                </a:solidFill>
+                <a:latin typeface="+mn-lt"/>
+                <a:ea typeface="+mn-ea"/>
+                <a:cs typeface="+mn-cs"/>
+              </a:defRPr>
+            </a:lvl8pPr>
+            <a:lvl9pPr marL="3886200" indent="-228600" algn="l" defTabSz="914400" rtl="0" eaLnBrk="1" latinLnBrk="0" hangingPunct="1">
+              <a:spcBef>
+                <a:spcPct val="20000"/>
+              </a:spcBef>
+              <a:buFont typeface="Arial" pitchFamily="34" charset="0"/>
+              <a:buChar char="•"/>
+              <a:defRPr sz="1800" kern="1200">
+                <a:solidFill>
+                  <a:schemeClr val="tx1"/>
+                </a:solidFill>
+                <a:latin typeface="+mn-lt"/>
+                <a:ea typeface="+mn-ea"/>
+                <a:cs typeface="+mn-cs"/>
+              </a:defRPr>
+            </a:lvl9pPr>
+          </a:lstStyle>
+          <a:p>
+            <a:pPr marL="0" indent="0">
+              <a:buNone/>
+            </a:pPr>
+            <a:r>
+              <a:rPr lang="ru-RU" sz="1800" dirty="0">
+                <a:latin typeface="PT Astra Sans" pitchFamily="34" charset="-52"/>
+                <a:ea typeface="PT Astra Sans" pitchFamily="34" charset="-52"/>
+              </a:rPr>
+              <a:t>ВЫЕЗДЫ (</a:t>
+            </a:r>
+            <a:r>
+              <a:rPr lang="en-US" sz="1800" dirty="0">
+                <a:latin typeface="PT Astra Sans" pitchFamily="34" charset="-52"/>
+                <a:ea typeface="PT Astra Sans" pitchFamily="34" charset="-52"/>
+              </a:rPr>
+              <a:t>CALLOUTS)</a:t>
+            </a:r>
+            <a:r>
+              <a:rPr lang="ru-RU" sz="1800" dirty="0">
+                <a:latin typeface="PT Astra Sans" pitchFamily="34" charset="-52"/>
+                <a:ea typeface="PT Astra Sans" pitchFamily="34" charset="-52"/>
+              </a:rPr>
+              <a:t>:</a:t>
+            </a:r>
+          </a:p>
+        </p:txBody>
+      </p:sp>
+      <p:pic>
+        <p:nvPicPr>
+          <p:cNvPr id="12" name="Picture 34"/>
+          <p:cNvPicPr>
+            <a:picLocks/>
+          </p:cNvPicPr>
+          <p:nvPr/>
+        </p:nvPicPr>
+        <p:blipFill rotWithShape="1">
+          <a:blip r:embed="rId3">
+            <a:extLst>
+              <a:ext uri="{28A0092B-C50C-407E-A947-70E740481C1C}">
+                <a14:useLocalDpi xmlns:a14="http://schemas.microsoft.com/office/drawing/2010/main" val="0"/>
+              </a:ext>
+            </a:extLst>
+          </a:blip>
+          <a:srcRect l="12746" t="66797" r="69366" b="4402"/>
+          <a:stretch/>
+        </p:blipFill>
+        <p:spPr>
+          <a:xfrm>
+            <a:off x="6389312" y="2492896"/>
+            <a:ext cx="2314600" cy="3223028"/>
           </a:xfrm>
           <a:prstGeom prst="rect">
             <a:avLst/>
@@ -3746,7 +4122,7 @@
     </p:spTree>
     <p:extLst>
       <p:ext uri="{BB962C8B-B14F-4D97-AF65-F5344CB8AC3E}">
-        <p14:creationId xmlns:p14="http://schemas.microsoft.com/office/powerpoint/2010/main" val="2164826885"/>
+        <p14:creationId xmlns:p14="http://schemas.microsoft.com/office/powerpoint/2010/main" val="3385561203"/>
       </p:ext>
     </p:extLst>
   </p:cSld>
@@ -3789,12 +4165,13 @@
           <a:lstStyle/>
           <a:p>
             <a:r>
-              <a:rPr lang="ru-RU" dirty="0">
+              <a:rPr lang="ru-RU" b="1" dirty="0">
                 <a:latin typeface="PT Astra Sans" pitchFamily="34" charset="-52"/>
                 <a:ea typeface="PT Astra Sans" pitchFamily="34" charset="-52"/>
               </a:rPr>
               <a:t>Нормализация</a:t>
             </a:r>
+            <a:endParaRPr lang="ru-RU" dirty="0"/>
           </a:p>
         </p:txBody>
       </p:sp>
@@ -3805,50 +4182,334 @@
             <a:spLocks noGrp="1"/>
           </p:cNvSpPr>
           <p:nvPr>
-            <p:ph idx="1"/>
-          </p:nvPr>
-        </p:nvSpPr>
-        <p:spPr/>
-        <p:txBody>
-          <a:bodyPr/>
+            <p:ph sz="half" idx="1"/>
+          </p:nvPr>
+        </p:nvSpPr>
+        <p:spPr>
+          <a:xfrm>
+            <a:off x="0" y="2204864"/>
+            <a:ext cx="3491880" cy="504056"/>
+          </a:xfrm>
+        </p:spPr>
+        <p:txBody>
+          <a:bodyPr>
+            <a:normAutofit/>
+          </a:bodyPr>
           <a:lstStyle/>
           <a:p>
             <a:pPr marL="0" indent="0">
               <a:buNone/>
             </a:pPr>
             <a:r>
-              <a:rPr lang="ru-RU" sz="2400" dirty="0">
+              <a:rPr lang="en-US" sz="1700" dirty="0">
                 <a:latin typeface="PT Astra Sans" pitchFamily="34" charset="-52"/>
                 <a:ea typeface="PT Astra Sans" pitchFamily="34" charset="-52"/>
               </a:rPr>
-              <a:t>ЗАНЯТИЯ (EXERCISE):</a:t>
-            </a:r>
-          </a:p>
+              <a:t>EMPLOYEE_TO_ATTESTATION</a:t>
+            </a:r>
+            <a:endParaRPr lang="ru-RU" sz="1700" dirty="0">
+              <a:latin typeface="PT Astra Sans" pitchFamily="34" charset="-52"/>
+              <a:ea typeface="PT Astra Sans" pitchFamily="34" charset="-52"/>
+            </a:endParaRPr>
+          </a:p>
+        </p:txBody>
+      </p:sp>
+      <p:sp>
+        <p:nvSpPr>
+          <p:cNvPr id="4" name="Объект 3"/>
+          <p:cNvSpPr>
+            <a:spLocks noGrp="1"/>
+          </p:cNvSpPr>
+          <p:nvPr>
+            <p:ph sz="half" idx="2"/>
+          </p:nvPr>
+        </p:nvSpPr>
+        <p:spPr>
+          <a:xfrm>
+            <a:off x="3275856" y="2204864"/>
+            <a:ext cx="3384376" cy="432049"/>
+          </a:xfrm>
+        </p:spPr>
+        <p:txBody>
+          <a:bodyPr>
+            <a:normAutofit/>
+          </a:bodyPr>
+          <a:lstStyle/>
           <a:p>
             <a:pPr marL="0" indent="0">
               <a:buNone/>
             </a:pPr>
-            <a:endParaRPr lang="ru-RU" dirty="0"/>
+            <a:r>
+              <a:rPr lang="en-US" sz="1700" dirty="0">
+                <a:latin typeface="PT Astra Sans" pitchFamily="34" charset="-52"/>
+                <a:ea typeface="PT Astra Sans" pitchFamily="34" charset="-52"/>
+              </a:rPr>
+              <a:t>EMPLOYEE_TO_EXERCISES</a:t>
+            </a:r>
+            <a:endParaRPr lang="ru-RU" sz="1700" dirty="0">
+              <a:latin typeface="PT Astra Sans" pitchFamily="34" charset="-52"/>
+              <a:ea typeface="PT Astra Sans" pitchFamily="34" charset="-52"/>
+            </a:endParaRPr>
+          </a:p>
+        </p:txBody>
+      </p:sp>
+      <p:sp>
+        <p:nvSpPr>
+          <p:cNvPr id="11" name="Объект 2"/>
+          <p:cNvSpPr txBox="1">
+            <a:spLocks/>
+          </p:cNvSpPr>
+          <p:nvPr/>
+        </p:nvSpPr>
+        <p:spPr>
+          <a:xfrm>
+            <a:off x="6300192" y="2204864"/>
+            <a:ext cx="3059832" cy="432048"/>
+          </a:xfrm>
+          <a:prstGeom prst="rect">
+            <a:avLst/>
+          </a:prstGeom>
+        </p:spPr>
+        <p:txBody>
+          <a:bodyPr vert="horz" lIns="91440" tIns="45720" rIns="91440" bIns="45720" rtlCol="0">
+            <a:normAutofit/>
+          </a:bodyPr>
+          <a:lstStyle>
+            <a:lvl1pPr marL="342900" indent="-342900" algn="l" defTabSz="914400" rtl="0" eaLnBrk="1" latinLnBrk="0" hangingPunct="1">
+              <a:spcBef>
+                <a:spcPct val="20000"/>
+              </a:spcBef>
+              <a:buFont typeface="Arial" pitchFamily="34" charset="0"/>
+              <a:buChar char="•"/>
+              <a:defRPr sz="2800" kern="1200">
+                <a:solidFill>
+                  <a:schemeClr val="tx1"/>
+                </a:solidFill>
+                <a:latin typeface="+mn-lt"/>
+                <a:ea typeface="+mn-ea"/>
+                <a:cs typeface="+mn-cs"/>
+              </a:defRPr>
+            </a:lvl1pPr>
+            <a:lvl2pPr marL="742950" indent="-285750" algn="l" defTabSz="914400" rtl="0" eaLnBrk="1" latinLnBrk="0" hangingPunct="1">
+              <a:spcBef>
+                <a:spcPct val="20000"/>
+              </a:spcBef>
+              <a:buFont typeface="Arial" pitchFamily="34" charset="0"/>
+              <a:buChar char="–"/>
+              <a:defRPr sz="2400" kern="1200">
+                <a:solidFill>
+                  <a:schemeClr val="tx1"/>
+                </a:solidFill>
+                <a:latin typeface="+mn-lt"/>
+                <a:ea typeface="+mn-ea"/>
+                <a:cs typeface="+mn-cs"/>
+              </a:defRPr>
+            </a:lvl2pPr>
+            <a:lvl3pPr marL="1143000" indent="-228600" algn="l" defTabSz="914400" rtl="0" eaLnBrk="1" latinLnBrk="0" hangingPunct="1">
+              <a:spcBef>
+                <a:spcPct val="20000"/>
+              </a:spcBef>
+              <a:buFont typeface="Arial" pitchFamily="34" charset="0"/>
+              <a:buChar char="•"/>
+              <a:defRPr sz="2000" kern="1200">
+                <a:solidFill>
+                  <a:schemeClr val="tx1"/>
+                </a:solidFill>
+                <a:latin typeface="+mn-lt"/>
+                <a:ea typeface="+mn-ea"/>
+                <a:cs typeface="+mn-cs"/>
+              </a:defRPr>
+            </a:lvl3pPr>
+            <a:lvl4pPr marL="1600200" indent="-228600" algn="l" defTabSz="914400" rtl="0" eaLnBrk="1" latinLnBrk="0" hangingPunct="1">
+              <a:spcBef>
+                <a:spcPct val="20000"/>
+              </a:spcBef>
+              <a:buFont typeface="Arial" pitchFamily="34" charset="0"/>
+              <a:buChar char="–"/>
+              <a:defRPr sz="1800" kern="1200">
+                <a:solidFill>
+                  <a:schemeClr val="tx1"/>
+                </a:solidFill>
+                <a:latin typeface="+mn-lt"/>
+                <a:ea typeface="+mn-ea"/>
+                <a:cs typeface="+mn-cs"/>
+              </a:defRPr>
+            </a:lvl4pPr>
+            <a:lvl5pPr marL="2057400" indent="-228600" algn="l" defTabSz="914400" rtl="0" eaLnBrk="1" latinLnBrk="0" hangingPunct="1">
+              <a:spcBef>
+                <a:spcPct val="20000"/>
+              </a:spcBef>
+              <a:buFont typeface="Arial" pitchFamily="34" charset="0"/>
+              <a:buChar char="»"/>
+              <a:defRPr sz="1800" kern="1200">
+                <a:solidFill>
+                  <a:schemeClr val="tx1"/>
+                </a:solidFill>
+                <a:latin typeface="+mn-lt"/>
+                <a:ea typeface="+mn-ea"/>
+                <a:cs typeface="+mn-cs"/>
+              </a:defRPr>
+            </a:lvl5pPr>
+            <a:lvl6pPr marL="2514600" indent="-228600" algn="l" defTabSz="914400" rtl="0" eaLnBrk="1" latinLnBrk="0" hangingPunct="1">
+              <a:spcBef>
+                <a:spcPct val="20000"/>
+              </a:spcBef>
+              <a:buFont typeface="Arial" pitchFamily="34" charset="0"/>
+              <a:buChar char="•"/>
+              <a:defRPr sz="1800" kern="1200">
+                <a:solidFill>
+                  <a:schemeClr val="tx1"/>
+                </a:solidFill>
+                <a:latin typeface="+mn-lt"/>
+                <a:ea typeface="+mn-ea"/>
+                <a:cs typeface="+mn-cs"/>
+              </a:defRPr>
+            </a:lvl6pPr>
+            <a:lvl7pPr marL="2971800" indent="-228600" algn="l" defTabSz="914400" rtl="0" eaLnBrk="1" latinLnBrk="0" hangingPunct="1">
+              <a:spcBef>
+                <a:spcPct val="20000"/>
+              </a:spcBef>
+              <a:buFont typeface="Arial" pitchFamily="34" charset="0"/>
+              <a:buChar char="•"/>
+              <a:defRPr sz="1800" kern="1200">
+                <a:solidFill>
+                  <a:schemeClr val="tx1"/>
+                </a:solidFill>
+                <a:latin typeface="+mn-lt"/>
+                <a:ea typeface="+mn-ea"/>
+                <a:cs typeface="+mn-cs"/>
+              </a:defRPr>
+            </a:lvl7pPr>
+            <a:lvl8pPr marL="3429000" indent="-228600" algn="l" defTabSz="914400" rtl="0" eaLnBrk="1" latinLnBrk="0" hangingPunct="1">
+              <a:spcBef>
+                <a:spcPct val="20000"/>
+              </a:spcBef>
+              <a:buFont typeface="Arial" pitchFamily="34" charset="0"/>
+              <a:buChar char="•"/>
+              <a:defRPr sz="1800" kern="1200">
+                <a:solidFill>
+                  <a:schemeClr val="tx1"/>
+                </a:solidFill>
+                <a:latin typeface="+mn-lt"/>
+                <a:ea typeface="+mn-ea"/>
+                <a:cs typeface="+mn-cs"/>
+              </a:defRPr>
+            </a:lvl8pPr>
+            <a:lvl9pPr marL="3886200" indent="-228600" algn="l" defTabSz="914400" rtl="0" eaLnBrk="1" latinLnBrk="0" hangingPunct="1">
+              <a:spcBef>
+                <a:spcPct val="20000"/>
+              </a:spcBef>
+              <a:buFont typeface="Arial" pitchFamily="34" charset="0"/>
+              <a:buChar char="•"/>
+              <a:defRPr sz="1800" kern="1200">
+                <a:solidFill>
+                  <a:schemeClr val="tx1"/>
+                </a:solidFill>
+                <a:latin typeface="+mn-lt"/>
+                <a:ea typeface="+mn-ea"/>
+                <a:cs typeface="+mn-cs"/>
+              </a:defRPr>
+            </a:lvl9pPr>
+          </a:lstStyle>
+          <a:p>
+            <a:pPr marL="0" indent="0">
+              <a:buNone/>
+            </a:pPr>
+            <a:r>
+              <a:rPr lang="en-US" sz="1700" dirty="0">
+                <a:latin typeface="PT Astra Sans" pitchFamily="34" charset="-52"/>
+                <a:ea typeface="PT Astra Sans" pitchFamily="34" charset="-52"/>
+              </a:rPr>
+              <a:t>EMPLOYEE_TO_CALLOUT</a:t>
+            </a:r>
+            <a:endParaRPr lang="ru-RU" sz="1700" dirty="0">
+              <a:latin typeface="PT Astra Sans" pitchFamily="34" charset="-52"/>
+              <a:ea typeface="PT Astra Sans" pitchFamily="34" charset="-52"/>
+            </a:endParaRPr>
           </a:p>
         </p:txBody>
       </p:sp>
       <p:pic>
         <p:nvPicPr>
-          <p:cNvPr id="4" name="Picture 34"/>
+          <p:cNvPr id="10" name="Picture 34"/>
           <p:cNvPicPr>
             <a:picLocks/>
           </p:cNvPicPr>
           <p:nvPr/>
         </p:nvPicPr>
         <p:blipFill rotWithShape="1">
-          <a:blip r:embed="rId2"/>
-          <a:srcRect l="60721" t="32139" r="23994" b="41896"/>
+          <a:blip r:embed="rId2">
+            <a:extLst>
+              <a:ext uri="{28A0092B-C50C-407E-A947-70E740481C1C}">
+                <a14:useLocalDpi xmlns:a14="http://schemas.microsoft.com/office/drawing/2010/main" val="0"/>
+              </a:ext>
+            </a:extLst>
+          </a:blip>
+          <a:srcRect l="43791" t="3247" r="35365" b="85953"/>
           <a:stretch/>
         </p:blipFill>
         <p:spPr>
           <a:xfrm>
-            <a:off x="3203580" y="2348880"/>
-            <a:ext cx="2730728" cy="4238952"/>
+            <a:off x="251520" y="3573016"/>
+            <a:ext cx="2592288" cy="1224136"/>
+          </a:xfrm>
+          <a:prstGeom prst="rect">
+            <a:avLst/>
+          </a:prstGeom>
+        </p:spPr>
+      </p:pic>
+      <p:pic>
+        <p:nvPicPr>
+          <p:cNvPr id="13" name="Picture 34"/>
+          <p:cNvPicPr>
+            <a:picLocks/>
+          </p:cNvPicPr>
+          <p:nvPr/>
+        </p:nvPicPr>
+        <p:blipFill rotWithShape="1">
+          <a:blip r:embed="rId2">
+            <a:extLst>
+              <a:ext uri="{28A0092B-C50C-407E-A947-70E740481C1C}">
+                <a14:useLocalDpi xmlns:a14="http://schemas.microsoft.com/office/drawing/2010/main" val="0"/>
+              </a:ext>
+            </a:extLst>
+          </a:blip>
+          <a:srcRect l="48226" t="33457" r="32112" b="55743"/>
+          <a:stretch/>
+        </p:blipFill>
+        <p:spPr>
+          <a:xfrm>
+            <a:off x="3347864" y="3573016"/>
+            <a:ext cx="2766040" cy="1224136"/>
+          </a:xfrm>
+          <a:prstGeom prst="rect">
+            <a:avLst/>
+          </a:prstGeom>
+        </p:spPr>
+      </p:pic>
+      <p:pic>
+        <p:nvPicPr>
+          <p:cNvPr id="14" name="Picture 34"/>
+          <p:cNvPicPr>
+            <a:picLocks/>
+          </p:cNvPicPr>
+          <p:nvPr/>
+        </p:nvPicPr>
+        <p:blipFill rotWithShape="1">
+          <a:blip r:embed="rId2">
+            <a:extLst>
+              <a:ext uri="{28A0092B-C50C-407E-A947-70E740481C1C}">
+                <a14:useLocalDpi xmlns:a14="http://schemas.microsoft.com/office/drawing/2010/main" val="0"/>
+              </a:ext>
+            </a:extLst>
+          </a:blip>
+          <a:srcRect l="38765" t="64450" r="42461" b="25376"/>
+          <a:stretch/>
+        </p:blipFill>
+        <p:spPr>
+          <a:xfrm>
+            <a:off x="6437908" y="3573016"/>
+            <a:ext cx="2592288" cy="1224136"/>
           </a:xfrm>
           <a:prstGeom prst="rect">
             <a:avLst/>
@@ -3858,7 +4519,7 @@
     </p:spTree>
     <p:extLst>
       <p:ext uri="{BB962C8B-B14F-4D97-AF65-F5344CB8AC3E}">
-        <p14:creationId xmlns:p14="http://schemas.microsoft.com/office/powerpoint/2010/main" val="729009851"/>
+        <p14:creationId xmlns:p14="http://schemas.microsoft.com/office/powerpoint/2010/main" val="633214818"/>
       </p:ext>
     </p:extLst>
   </p:cSld>
@@ -3897,8 +4558,8 @@
         </p:nvSpPr>
         <p:spPr>
           <a:xfrm>
-            <a:off x="467544" y="116632"/>
-            <a:ext cx="8229600" cy="1143000"/>
+            <a:off x="467544" y="0"/>
+            <a:ext cx="8229600" cy="854968"/>
           </a:xfrm>
         </p:spPr>
         <p:txBody>
@@ -3939,15 +4600,21 @@
           </p:nvPr>
         </p:nvPicPr>
         <p:blipFill>
-          <a:blip r:embed="rId2"/>
+          <a:blip r:embed="rId2">
+            <a:extLst>
+              <a:ext uri="{28A0092B-C50C-407E-A947-70E740481C1C}">
+                <a14:useLocalDpi xmlns:a14="http://schemas.microsoft.com/office/drawing/2010/main" val="0"/>
+              </a:ext>
+            </a:extLst>
+          </a:blip>
           <a:stretch>
             <a:fillRect/>
           </a:stretch>
         </p:blipFill>
         <p:spPr>
           <a:xfrm>
-            <a:off x="1691680" y="1305312"/>
-            <a:ext cx="6048672" cy="5517232"/>
+            <a:off x="1479275" y="980728"/>
+            <a:ext cx="6185449" cy="5841816"/>
           </a:xfrm>
           <a:prstGeom prst="rect">
             <a:avLst/>
@@ -4000,15 +4667,15 @@
           <a:lstStyle/>
           <a:p>
             <a:r>
-              <a:rPr lang="ru-RU" dirty="0"/>
+              <a:rPr lang="ru-RU" b="1" dirty="0"/>
               <a:t>Диаграмма прецедентов (</a:t>
             </a:r>
             <a:r>
-              <a:rPr lang="en-US" dirty="0"/>
+              <a:rPr lang="en-US" b="1" dirty="0"/>
               <a:t>UML</a:t>
             </a:r>
             <a:r>
-              <a:rPr lang="ru-RU" dirty="0"/>
+              <a:rPr lang="ru-RU" b="1" dirty="0"/>
               <a:t>)</a:t>
             </a:r>
           </a:p>
